--- a/padroes_especificacoes_runtimes.pptx
+++ b/padroes_especificacoes_runtimes.pptx
@@ -5,7 +5,7 @@
     <p:sldMasterId id="2147483648" r:id="rId1"/>
   </p:sldMasterIdLst>
   <p:notesMasterIdLst>
-    <p:notesMasterId r:id="rId33"/>
+    <p:notesMasterId r:id="rId34"/>
   </p:notesMasterIdLst>
   <p:sldIdLst>
     <p:sldId id="257" r:id="rId2"/>
@@ -33,12 +33,13 @@
     <p:sldId id="305" r:id="rId24"/>
     <p:sldId id="306" r:id="rId25"/>
     <p:sldId id="307" r:id="rId26"/>
-    <p:sldId id="308" r:id="rId27"/>
-    <p:sldId id="309" r:id="rId28"/>
-    <p:sldId id="310" r:id="rId29"/>
-    <p:sldId id="311" r:id="rId30"/>
-    <p:sldId id="312" r:id="rId31"/>
-    <p:sldId id="303" r:id="rId32"/>
+    <p:sldId id="313" r:id="rId27"/>
+    <p:sldId id="308" r:id="rId28"/>
+    <p:sldId id="309" r:id="rId29"/>
+    <p:sldId id="310" r:id="rId30"/>
+    <p:sldId id="311" r:id="rId31"/>
+    <p:sldId id="312" r:id="rId32"/>
+    <p:sldId id="303" r:id="rId33"/>
   </p:sldIdLst>
   <p:sldSz cx="12192000" cy="6858000"/>
   <p:notesSz cx="6858000" cy="9144000"/>
@@ -578,6 +579,90 @@
 </p:notes>
 </file>
 
+<file path=ppt/notesSlides/notesSlide10.xml><?xml version="1.0" encoding="utf-8"?>
+<p:notes xmlns:a="http://schemas.openxmlformats.org/drawingml/2006/main" xmlns:r="http://schemas.openxmlformats.org/officeDocument/2006/relationships" xmlns:p="http://schemas.openxmlformats.org/presentationml/2006/main">
+  <p:cSld>
+    <p:spTree>
+      <p:nvGrpSpPr>
+        <p:cNvPr id="1" name=""/>
+        <p:cNvGrpSpPr/>
+        <p:nvPr/>
+      </p:nvGrpSpPr>
+      <p:grpSpPr>
+        <a:xfrm>
+          <a:off x="0" y="0"/>
+          <a:ext cx="0" cy="0"/>
+          <a:chOff x="0" y="0"/>
+          <a:chExt cx="0" cy="0"/>
+        </a:xfrm>
+      </p:grpSpPr>
+      <p:sp>
+        <p:nvSpPr>
+          <p:cNvPr id="2" name="Espaço Reservado para Imagem de Slide 1"/>
+          <p:cNvSpPr>
+            <a:spLocks noGrp="1" noRot="1" noChangeAspect="1"/>
+          </p:cNvSpPr>
+          <p:nvPr>
+            <p:ph type="sldImg"/>
+          </p:nvPr>
+        </p:nvSpPr>
+        <p:spPr/>
+      </p:sp>
+      <p:sp>
+        <p:nvSpPr>
+          <p:cNvPr id="3" name="Espaço Reservado para Anotações 2"/>
+          <p:cNvSpPr>
+            <a:spLocks noGrp="1"/>
+          </p:cNvSpPr>
+          <p:nvPr>
+            <p:ph type="body" idx="1"/>
+          </p:nvPr>
+        </p:nvSpPr>
+        <p:spPr/>
+        <p:txBody>
+          <a:bodyPr/>
+          <a:lstStyle/>
+          <a:p>
+            <a:endParaRPr lang="pt-BR" dirty="0"/>
+          </a:p>
+        </p:txBody>
+      </p:sp>
+      <p:sp>
+        <p:nvSpPr>
+          <p:cNvPr id="4" name="Espaço Reservado para Número de Slide 3"/>
+          <p:cNvSpPr>
+            <a:spLocks noGrp="1"/>
+          </p:cNvSpPr>
+          <p:nvPr>
+            <p:ph type="sldNum" sz="quarter" idx="10"/>
+          </p:nvPr>
+        </p:nvSpPr>
+        <p:spPr/>
+        <p:txBody>
+          <a:bodyPr/>
+          <a:lstStyle/>
+          <a:p>
+            <a:fld id="{E952F86B-89D2-44B2-94F6-FB4D55ABEE55}" type="slidenum">
+              <a:rPr lang="pt-BR" smtClean="0"/>
+              <a:t>31</a:t>
+            </a:fld>
+            <a:endParaRPr lang="pt-BR"/>
+          </a:p>
+        </p:txBody>
+      </p:sp>
+    </p:spTree>
+    <p:extLst>
+      <p:ext uri="{BB962C8B-B14F-4D97-AF65-F5344CB8AC3E}">
+        <p14:creationId xmlns:p14="http://schemas.microsoft.com/office/powerpoint/2010/main" val="2856395652"/>
+      </p:ext>
+    </p:extLst>
+  </p:cSld>
+  <p:clrMapOvr>
+    <a:masterClrMapping/>
+  </p:clrMapOvr>
+</p:notes>
+</file>
+
 <file path=ppt/notesSlides/notesSlide2.xml><?xml version="1.0" encoding="utf-8"?>
 <p:notes xmlns:a="http://schemas.openxmlformats.org/drawingml/2006/main" xmlns:r="http://schemas.openxmlformats.org/officeDocument/2006/relationships" xmlns:p="http://schemas.openxmlformats.org/presentationml/2006/main">
   <p:cSld>
@@ -904,7 +989,7 @@
     </p:spTree>
     <p:extLst>
       <p:ext uri="{BB962C8B-B14F-4D97-AF65-F5344CB8AC3E}">
-        <p14:creationId xmlns:p14="http://schemas.microsoft.com/office/powerpoint/2010/main" val="3976232919"/>
+        <p14:creationId xmlns:p14="http://schemas.microsoft.com/office/powerpoint/2010/main" val="417965102"/>
       </p:ext>
     </p:extLst>
   </p:cSld>
@@ -988,7 +1073,7 @@
     </p:spTree>
     <p:extLst>
       <p:ext uri="{BB962C8B-B14F-4D97-AF65-F5344CB8AC3E}">
-        <p14:creationId xmlns:p14="http://schemas.microsoft.com/office/powerpoint/2010/main" val="743361817"/>
+        <p14:creationId xmlns:p14="http://schemas.microsoft.com/office/powerpoint/2010/main" val="3976232919"/>
       </p:ext>
     </p:extLst>
   </p:cSld>
@@ -1072,7 +1157,7 @@
     </p:spTree>
     <p:extLst>
       <p:ext uri="{BB962C8B-B14F-4D97-AF65-F5344CB8AC3E}">
-        <p14:creationId xmlns:p14="http://schemas.microsoft.com/office/powerpoint/2010/main" val="2640102422"/>
+        <p14:creationId xmlns:p14="http://schemas.microsoft.com/office/powerpoint/2010/main" val="743361817"/>
       </p:ext>
     </p:extLst>
   </p:cSld>
@@ -1156,7 +1241,7 @@
     </p:spTree>
     <p:extLst>
       <p:ext uri="{BB962C8B-B14F-4D97-AF65-F5344CB8AC3E}">
-        <p14:creationId xmlns:p14="http://schemas.microsoft.com/office/powerpoint/2010/main" val="2362595110"/>
+        <p14:creationId xmlns:p14="http://schemas.microsoft.com/office/powerpoint/2010/main" val="2640102422"/>
       </p:ext>
     </p:extLst>
   </p:cSld>
@@ -1240,7 +1325,7 @@
     </p:spTree>
     <p:extLst>
       <p:ext uri="{BB962C8B-B14F-4D97-AF65-F5344CB8AC3E}">
-        <p14:creationId xmlns:p14="http://schemas.microsoft.com/office/powerpoint/2010/main" val="2856395652"/>
+        <p14:creationId xmlns:p14="http://schemas.microsoft.com/office/powerpoint/2010/main" val="2362595110"/>
       </p:ext>
     </p:extLst>
   </p:cSld>
@@ -18259,6 +18344,945 @@
           </a:prstGeom>
         </p:spPr>
       </p:pic>
+      <p:sp>
+        <p:nvSpPr>
+          <p:cNvPr id="9" name="Text Placeholder 26">
+            <a:extLst>
+              <a:ext uri="{FF2B5EF4-FFF2-40B4-BE49-F238E27FC236}">
+                <a16:creationId xmlns:a16="http://schemas.microsoft.com/office/drawing/2014/main" id="{2DC90907-0174-4F27-AD67-70B782C3454D}"/>
+              </a:ext>
+            </a:extLst>
+          </p:cNvPr>
+          <p:cNvSpPr txBox="1">
+            <a:spLocks/>
+          </p:cNvSpPr>
+          <p:nvPr/>
+        </p:nvSpPr>
+        <p:spPr>
+          <a:xfrm>
+            <a:off x="202638" y="1016147"/>
+            <a:ext cx="10753463" cy="5727209"/>
+          </a:xfrm>
+          <a:prstGeom prst="rect">
+            <a:avLst/>
+          </a:prstGeom>
+        </p:spPr>
+        <p:txBody>
+          <a:bodyPr wrap="square" lIns="0" tIns="0" rIns="0" bIns="0" anchor="t">
+            <a:spAutoFit/>
+          </a:bodyPr>
+          <a:lstStyle>
+            <a:lvl1pPr marL="0" indent="0" algn="l" defTabSz="612328" rtl="0" eaLnBrk="1" latinLnBrk="0" hangingPunct="1">
+              <a:spcBef>
+                <a:spcPct val="0"/>
+              </a:spcBef>
+              <a:buFont typeface="Arial"/>
+              <a:buNone/>
+              <a:defRPr lang="en-US" sz="1600" b="0" kern="1200" spc="0">
+                <a:solidFill>
+                  <a:srgbClr val="FFFFFF"/>
+                </a:solidFill>
+                <a:latin typeface="+mj-lt"/>
+                <a:ea typeface="+mj-ea"/>
+                <a:cs typeface="+mj-cs"/>
+              </a:defRPr>
+            </a:lvl1pPr>
+            <a:lvl2pPr marL="612328" indent="0" algn="l" defTabSz="612328" rtl="0" eaLnBrk="1" latinLnBrk="0" hangingPunct="1">
+              <a:spcBef>
+                <a:spcPct val="20000"/>
+              </a:spcBef>
+              <a:buFont typeface="Arial"/>
+              <a:buNone/>
+              <a:defRPr sz="3800" kern="1200">
+                <a:solidFill>
+                  <a:schemeClr val="tx1"/>
+                </a:solidFill>
+                <a:latin typeface="+mn-lt"/>
+                <a:ea typeface="+mn-ea"/>
+                <a:cs typeface="+mn-cs"/>
+              </a:defRPr>
+            </a:lvl2pPr>
+            <a:lvl3pPr marL="1224656" indent="0" algn="l" defTabSz="612328" rtl="0" eaLnBrk="1" latinLnBrk="0" hangingPunct="1">
+              <a:spcBef>
+                <a:spcPct val="20000"/>
+              </a:spcBef>
+              <a:buFont typeface="Arial"/>
+              <a:buNone/>
+              <a:defRPr sz="3200" kern="1200">
+                <a:solidFill>
+                  <a:schemeClr val="tx1"/>
+                </a:solidFill>
+                <a:latin typeface="+mn-lt"/>
+                <a:ea typeface="+mn-ea"/>
+                <a:cs typeface="+mn-cs"/>
+              </a:defRPr>
+            </a:lvl3pPr>
+            <a:lvl4pPr marL="1836984" indent="0" algn="l" defTabSz="612328" rtl="0" eaLnBrk="1" latinLnBrk="0" hangingPunct="1">
+              <a:spcBef>
+                <a:spcPct val="20000"/>
+              </a:spcBef>
+              <a:buFont typeface="Arial"/>
+              <a:buNone/>
+              <a:defRPr sz="2700" kern="1200">
+                <a:solidFill>
+                  <a:schemeClr val="tx1"/>
+                </a:solidFill>
+                <a:latin typeface="+mn-lt"/>
+                <a:ea typeface="+mn-ea"/>
+                <a:cs typeface="+mn-cs"/>
+              </a:defRPr>
+            </a:lvl4pPr>
+            <a:lvl5pPr marL="2449312" indent="0" algn="l" defTabSz="612328" rtl="0" eaLnBrk="1" latinLnBrk="0" hangingPunct="1">
+              <a:spcBef>
+                <a:spcPct val="20000"/>
+              </a:spcBef>
+              <a:buFont typeface="Arial"/>
+              <a:buNone/>
+              <a:defRPr sz="2700" kern="1200">
+                <a:solidFill>
+                  <a:schemeClr val="tx1"/>
+                </a:solidFill>
+                <a:latin typeface="+mn-lt"/>
+                <a:ea typeface="+mn-ea"/>
+                <a:cs typeface="+mn-cs"/>
+              </a:defRPr>
+            </a:lvl5pPr>
+            <a:lvl6pPr marL="3367804" indent="-306164" algn="l" defTabSz="612328" rtl="0" eaLnBrk="1" latinLnBrk="0" hangingPunct="1">
+              <a:spcBef>
+                <a:spcPct val="20000"/>
+              </a:spcBef>
+              <a:buFont typeface="Arial"/>
+              <a:buChar char="•"/>
+              <a:defRPr sz="2700" kern="1200">
+                <a:solidFill>
+                  <a:schemeClr val="tx1"/>
+                </a:solidFill>
+                <a:latin typeface="+mn-lt"/>
+                <a:ea typeface="+mn-ea"/>
+                <a:cs typeface="+mn-cs"/>
+              </a:defRPr>
+            </a:lvl6pPr>
+            <a:lvl7pPr marL="3980132" indent="-306164" algn="l" defTabSz="612328" rtl="0" eaLnBrk="1" latinLnBrk="0" hangingPunct="1">
+              <a:spcBef>
+                <a:spcPct val="20000"/>
+              </a:spcBef>
+              <a:buFont typeface="Arial"/>
+              <a:buChar char="•"/>
+              <a:defRPr sz="2700" kern="1200">
+                <a:solidFill>
+                  <a:schemeClr val="tx1"/>
+                </a:solidFill>
+                <a:latin typeface="+mn-lt"/>
+                <a:ea typeface="+mn-ea"/>
+                <a:cs typeface="+mn-cs"/>
+              </a:defRPr>
+            </a:lvl7pPr>
+            <a:lvl8pPr marL="4592460" indent="-306164" algn="l" defTabSz="612328" rtl="0" eaLnBrk="1" latinLnBrk="0" hangingPunct="1">
+              <a:spcBef>
+                <a:spcPct val="20000"/>
+              </a:spcBef>
+              <a:buFont typeface="Arial"/>
+              <a:buChar char="•"/>
+              <a:defRPr sz="2700" kern="1200">
+                <a:solidFill>
+                  <a:schemeClr val="tx1"/>
+                </a:solidFill>
+                <a:latin typeface="+mn-lt"/>
+                <a:ea typeface="+mn-ea"/>
+                <a:cs typeface="+mn-cs"/>
+              </a:defRPr>
+            </a:lvl8pPr>
+            <a:lvl9pPr marL="5204788" indent="-306164" algn="l" defTabSz="612328" rtl="0" eaLnBrk="1" latinLnBrk="0" hangingPunct="1">
+              <a:spcBef>
+                <a:spcPct val="20000"/>
+              </a:spcBef>
+              <a:buFont typeface="Arial"/>
+              <a:buChar char="•"/>
+              <a:defRPr sz="2700" kern="1200">
+                <a:solidFill>
+                  <a:schemeClr val="tx1"/>
+                </a:solidFill>
+                <a:latin typeface="+mn-lt"/>
+                <a:ea typeface="+mn-ea"/>
+                <a:cs typeface="+mn-cs"/>
+              </a:defRPr>
+            </a:lvl9pPr>
+          </a:lstStyle>
+          <a:p>
+            <a:pPr algn="just">
+              <a:lnSpc>
+                <a:spcPts val="2200"/>
+              </a:lnSpc>
+              <a:spcAft>
+                <a:spcPts val="1800"/>
+              </a:spcAft>
+            </a:pPr>
+            <a:r>
+              <a:rPr lang="pt-BR" sz="1800" b="1" dirty="0">
+                <a:solidFill>
+                  <a:schemeClr val="tx1">
+                    <a:lumMod val="50000"/>
+                    <a:lumOff val="50000"/>
+                  </a:schemeClr>
+                </a:solidFill>
+                <a:latin typeface="Arial" charset="0"/>
+                <a:ea typeface="Arial" charset="0"/>
+                <a:cs typeface="Arial" charset="0"/>
+              </a:rPr>
+              <a:t>No workstation do desenvolvedor (Windows 10 pro):</a:t>
+            </a:r>
+          </a:p>
+          <a:p>
+            <a:pPr algn="just">
+              <a:lnSpc>
+                <a:spcPts val="2200"/>
+              </a:lnSpc>
+              <a:spcAft>
+                <a:spcPts val="1800"/>
+              </a:spcAft>
+            </a:pPr>
+            <a:r>
+              <a:rPr lang="pt-BR" sz="1800" dirty="0">
+                <a:solidFill>
+                  <a:schemeClr val="tx1">
+                    <a:lumMod val="50000"/>
+                    <a:lumOff val="50000"/>
+                  </a:schemeClr>
+                </a:solidFill>
+                <a:latin typeface="Arial" charset="0"/>
+                <a:ea typeface="Arial" charset="0"/>
+                <a:cs typeface="Arial" charset="0"/>
+                <a:hlinkClick r:id="rId4"/>
+              </a:rPr>
+              <a:t>https://docs.docker.com/install/</a:t>
+            </a:r>
+            <a:r>
+              <a:rPr lang="pt-BR" sz="1800" dirty="0">
+                <a:solidFill>
+                  <a:schemeClr val="tx1">
+                    <a:lumMod val="50000"/>
+                    <a:lumOff val="50000"/>
+                  </a:schemeClr>
+                </a:solidFill>
+                <a:latin typeface="Arial" charset="0"/>
+                <a:ea typeface="Arial" charset="0"/>
+                <a:cs typeface="Arial" charset="0"/>
+              </a:rPr>
+              <a:t> </a:t>
+            </a:r>
+          </a:p>
+          <a:p>
+            <a:pPr algn="just">
+              <a:lnSpc>
+                <a:spcPts val="2200"/>
+              </a:lnSpc>
+              <a:spcAft>
+                <a:spcPts val="1800"/>
+              </a:spcAft>
+            </a:pPr>
+            <a:r>
+              <a:rPr lang="pt-BR" sz="1800" b="1" dirty="0">
+                <a:solidFill>
+                  <a:schemeClr val="tx1">
+                    <a:lumMod val="50000"/>
+                    <a:lumOff val="50000"/>
+                  </a:schemeClr>
+                </a:solidFill>
+                <a:latin typeface="Arial" charset="0"/>
+                <a:ea typeface="Arial" charset="0"/>
+                <a:cs typeface="Arial" charset="0"/>
+              </a:rPr>
+              <a:t>No servidor aonde a aplicação será executada (Linux </a:t>
+            </a:r>
+            <a:r>
+              <a:rPr lang="pt-BR" sz="1800" b="1" dirty="0" err="1">
+                <a:solidFill>
+                  <a:schemeClr val="tx1">
+                    <a:lumMod val="50000"/>
+                    <a:lumOff val="50000"/>
+                  </a:schemeClr>
+                </a:solidFill>
+                <a:latin typeface="Arial" charset="0"/>
+                <a:ea typeface="Arial" charset="0"/>
+                <a:cs typeface="Arial" charset="0"/>
+              </a:rPr>
+              <a:t>CentOS</a:t>
+            </a:r>
+            <a:r>
+              <a:rPr lang="pt-BR" sz="1800" b="1" dirty="0">
+                <a:solidFill>
+                  <a:schemeClr val="tx1">
+                    <a:lumMod val="50000"/>
+                    <a:lumOff val="50000"/>
+                  </a:schemeClr>
+                </a:solidFill>
+                <a:latin typeface="Arial" charset="0"/>
+                <a:ea typeface="Arial" charset="0"/>
+                <a:cs typeface="Arial" charset="0"/>
+              </a:rPr>
+              <a:t> 7):</a:t>
+            </a:r>
+          </a:p>
+          <a:p>
+            <a:pPr algn="just">
+              <a:lnSpc>
+                <a:spcPts val="2200"/>
+              </a:lnSpc>
+              <a:spcAft>
+                <a:spcPts val="1800"/>
+              </a:spcAft>
+            </a:pPr>
+            <a:r>
+              <a:rPr lang="pt-BR" sz="1800" dirty="0">
+                <a:solidFill>
+                  <a:schemeClr val="tx1">
+                    <a:lumMod val="50000"/>
+                    <a:lumOff val="50000"/>
+                  </a:schemeClr>
+                </a:solidFill>
+                <a:latin typeface="Arial" charset="0"/>
+                <a:ea typeface="Arial" charset="0"/>
+                <a:cs typeface="Arial" charset="0"/>
+              </a:rPr>
+              <a:t>Implementação de referência da OCI para formato imagens e containers</a:t>
+            </a:r>
+          </a:p>
+          <a:p>
+            <a:pPr algn="just">
+              <a:lnSpc>
+                <a:spcPts val="2200"/>
+              </a:lnSpc>
+              <a:spcAft>
+                <a:spcPts val="1800"/>
+              </a:spcAft>
+            </a:pPr>
+            <a:r>
+              <a:rPr lang="pt-BR" sz="1800" dirty="0">
+                <a:solidFill>
+                  <a:schemeClr val="tx1">
+                    <a:lumMod val="50000"/>
+                    <a:lumOff val="50000"/>
+                  </a:schemeClr>
+                </a:solidFill>
+                <a:latin typeface="Arial" charset="0"/>
+                <a:ea typeface="Arial" charset="0"/>
+                <a:cs typeface="Arial" charset="0"/>
+                <a:hlinkClick r:id="rId5"/>
+              </a:rPr>
+              <a:t>https://github.com/opencontainers/image-tools</a:t>
+            </a:r>
+            <a:r>
+              <a:rPr lang="pt-BR" sz="1800" dirty="0">
+                <a:solidFill>
+                  <a:schemeClr val="tx1">
+                    <a:lumMod val="50000"/>
+                    <a:lumOff val="50000"/>
+                  </a:schemeClr>
+                </a:solidFill>
+                <a:latin typeface="Arial" charset="0"/>
+                <a:ea typeface="Arial" charset="0"/>
+                <a:cs typeface="Arial" charset="0"/>
+              </a:rPr>
+              <a:t> </a:t>
+            </a:r>
+          </a:p>
+          <a:p>
+            <a:pPr algn="just">
+              <a:lnSpc>
+                <a:spcPts val="2200"/>
+              </a:lnSpc>
+              <a:spcAft>
+                <a:spcPts val="1800"/>
+              </a:spcAft>
+            </a:pPr>
+            <a:r>
+              <a:rPr lang="pt-BR" sz="1800" dirty="0">
+                <a:solidFill>
+                  <a:schemeClr val="tx1">
+                    <a:lumMod val="50000"/>
+                    <a:lumOff val="50000"/>
+                  </a:schemeClr>
+                </a:solidFill>
+                <a:latin typeface="Arial" charset="0"/>
+                <a:ea typeface="Arial" charset="0"/>
+                <a:cs typeface="Arial" charset="0"/>
+              </a:rPr>
+              <a:t>Implementação de referência da OCI para execução de containers</a:t>
+            </a:r>
+          </a:p>
+          <a:p>
+            <a:pPr algn="just">
+              <a:lnSpc>
+                <a:spcPts val="2200"/>
+              </a:lnSpc>
+              <a:spcAft>
+                <a:spcPts val="1800"/>
+              </a:spcAft>
+            </a:pPr>
+            <a:r>
+              <a:rPr lang="pt-BR" sz="1800" dirty="0">
+                <a:solidFill>
+                  <a:schemeClr val="tx1">
+                    <a:lumMod val="50000"/>
+                    <a:lumOff val="50000"/>
+                  </a:schemeClr>
+                </a:solidFill>
+                <a:latin typeface="Arial" charset="0"/>
+                <a:ea typeface="Arial" charset="0"/>
+                <a:cs typeface="Arial" charset="0"/>
+                <a:hlinkClick r:id="rId6"/>
+              </a:rPr>
+              <a:t>https://github.com/opencontainers/runc</a:t>
+            </a:r>
+            <a:r>
+              <a:rPr lang="pt-BR" sz="1800" dirty="0">
+                <a:solidFill>
+                  <a:schemeClr val="tx1">
+                    <a:lumMod val="50000"/>
+                    <a:lumOff val="50000"/>
+                  </a:schemeClr>
+                </a:solidFill>
+                <a:latin typeface="Arial" charset="0"/>
+                <a:ea typeface="Arial" charset="0"/>
+                <a:cs typeface="Arial" charset="0"/>
+              </a:rPr>
+              <a:t> </a:t>
+            </a:r>
+          </a:p>
+          <a:p>
+            <a:pPr algn="just">
+              <a:lnSpc>
+                <a:spcPts val="2200"/>
+              </a:lnSpc>
+              <a:spcAft>
+                <a:spcPts val="1800"/>
+              </a:spcAft>
+            </a:pPr>
+            <a:r>
+              <a:rPr lang="pt-BR" sz="1800" dirty="0">
+                <a:solidFill>
+                  <a:schemeClr val="tx1">
+                    <a:lumMod val="50000"/>
+                    <a:lumOff val="50000"/>
+                  </a:schemeClr>
+                </a:solidFill>
+                <a:latin typeface="Arial" charset="0"/>
+                <a:ea typeface="Arial" charset="0"/>
+                <a:cs typeface="Arial" charset="0"/>
+              </a:rPr>
+              <a:t>Utilitário para execução de várias operações com containers, imagens e registries</a:t>
+            </a:r>
+          </a:p>
+          <a:p>
+            <a:pPr algn="just">
+              <a:lnSpc>
+                <a:spcPts val="2200"/>
+              </a:lnSpc>
+              <a:spcAft>
+                <a:spcPts val="1800"/>
+              </a:spcAft>
+            </a:pPr>
+            <a:r>
+              <a:rPr lang="pt-BR" sz="1800" dirty="0">
+                <a:solidFill>
+                  <a:schemeClr val="tx1">
+                    <a:lumMod val="50000"/>
+                    <a:lumOff val="50000"/>
+                  </a:schemeClr>
+                </a:solidFill>
+                <a:latin typeface="Arial" charset="0"/>
+                <a:ea typeface="Arial" charset="0"/>
+                <a:cs typeface="Arial" charset="0"/>
+                <a:hlinkClick r:id="rId7"/>
+              </a:rPr>
+              <a:t>https://github.com/containers/skopeo</a:t>
+            </a:r>
+            <a:r>
+              <a:rPr lang="pt-BR" sz="1800" dirty="0">
+                <a:solidFill>
+                  <a:schemeClr val="tx1">
+                    <a:lumMod val="50000"/>
+                    <a:lumOff val="50000"/>
+                  </a:schemeClr>
+                </a:solidFill>
+                <a:latin typeface="Arial" charset="0"/>
+                <a:ea typeface="Arial" charset="0"/>
+                <a:cs typeface="Arial" charset="0"/>
+              </a:rPr>
+              <a:t> </a:t>
+            </a:r>
+          </a:p>
+          <a:p>
+            <a:pPr algn="just">
+              <a:lnSpc>
+                <a:spcPts val="2200"/>
+              </a:lnSpc>
+              <a:spcAft>
+                <a:spcPts val="1800"/>
+              </a:spcAft>
+            </a:pPr>
+            <a:r>
+              <a:rPr lang="pt-BR" sz="1800" b="1" dirty="0" err="1">
+                <a:solidFill>
+                  <a:schemeClr val="tx1">
+                    <a:lumMod val="50000"/>
+                    <a:lumOff val="50000"/>
+                  </a:schemeClr>
+                </a:solidFill>
+                <a:latin typeface="Arial" charset="0"/>
+                <a:ea typeface="Arial" charset="0"/>
+                <a:cs typeface="Arial" charset="0"/>
+              </a:rPr>
+              <a:t>Obs</a:t>
+            </a:r>
+            <a:r>
+              <a:rPr lang="pt-BR" sz="1800" b="1" dirty="0">
+                <a:solidFill>
+                  <a:schemeClr val="tx1">
+                    <a:lumMod val="50000"/>
+                    <a:lumOff val="50000"/>
+                  </a:schemeClr>
+                </a:solidFill>
+                <a:latin typeface="Arial" charset="0"/>
+                <a:ea typeface="Arial" charset="0"/>
+                <a:cs typeface="Arial" charset="0"/>
+              </a:rPr>
+              <a:t>.:</a:t>
+            </a:r>
+            <a:r>
+              <a:rPr lang="pt-BR" sz="1800" dirty="0" err="1">
+                <a:solidFill>
+                  <a:schemeClr val="tx1">
+                    <a:lumMod val="50000"/>
+                    <a:lumOff val="50000"/>
+                  </a:schemeClr>
+                </a:solidFill>
+                <a:latin typeface="Arial" charset="0"/>
+                <a:ea typeface="Arial" charset="0"/>
+                <a:cs typeface="Arial" charset="0"/>
+              </a:rPr>
+              <a:t>skopeo</a:t>
+            </a:r>
+            <a:r>
+              <a:rPr lang="pt-BR" sz="1800" dirty="0">
+                <a:solidFill>
+                  <a:schemeClr val="tx1">
+                    <a:lumMod val="50000"/>
+                    <a:lumOff val="50000"/>
+                  </a:schemeClr>
+                </a:solidFill>
+                <a:latin typeface="Arial" charset="0"/>
+                <a:ea typeface="Arial" charset="0"/>
+                <a:cs typeface="Arial" charset="0"/>
+              </a:rPr>
+              <a:t> é um projeto aonde a </a:t>
+            </a:r>
+            <a:r>
+              <a:rPr lang="pt-BR" sz="1800" dirty="0" err="1">
+                <a:solidFill>
+                  <a:schemeClr val="tx1">
+                    <a:lumMod val="50000"/>
+                    <a:lumOff val="50000"/>
+                  </a:schemeClr>
+                </a:solidFill>
+                <a:latin typeface="Arial" charset="0"/>
+                <a:ea typeface="Arial" charset="0"/>
+                <a:cs typeface="Arial" charset="0"/>
+              </a:rPr>
+              <a:t>Red</a:t>
+            </a:r>
+            <a:r>
+              <a:rPr lang="pt-BR" sz="1800" dirty="0">
+                <a:solidFill>
+                  <a:schemeClr val="tx1">
+                    <a:lumMod val="50000"/>
+                    <a:lumOff val="50000"/>
+                  </a:schemeClr>
+                </a:solidFill>
+                <a:latin typeface="Arial" charset="0"/>
+                <a:ea typeface="Arial" charset="0"/>
+                <a:cs typeface="Arial" charset="0"/>
+              </a:rPr>
+              <a:t> </a:t>
+            </a:r>
+            <a:r>
+              <a:rPr lang="pt-BR" sz="1800" dirty="0" err="1">
+                <a:solidFill>
+                  <a:schemeClr val="tx1">
+                    <a:lumMod val="50000"/>
+                    <a:lumOff val="50000"/>
+                  </a:schemeClr>
+                </a:solidFill>
+                <a:latin typeface="Arial" charset="0"/>
+                <a:ea typeface="Arial" charset="0"/>
+                <a:cs typeface="Arial" charset="0"/>
+              </a:rPr>
+              <a:t>Hat</a:t>
+            </a:r>
+            <a:r>
+              <a:rPr lang="pt-BR" sz="1800" dirty="0">
+                <a:solidFill>
+                  <a:schemeClr val="tx1">
+                    <a:lumMod val="50000"/>
+                    <a:lumOff val="50000"/>
+                  </a:schemeClr>
+                </a:solidFill>
+                <a:latin typeface="Arial" charset="0"/>
+                <a:ea typeface="Arial" charset="0"/>
+                <a:cs typeface="Arial" charset="0"/>
+              </a:rPr>
+              <a:t> tem trabalhado bastante. É uma ferramenta muito útil para cópia de imagens entre diferentes registries. Um outro projeto aonde a </a:t>
+            </a:r>
+            <a:r>
+              <a:rPr lang="pt-BR" sz="1800" dirty="0" err="1">
+                <a:solidFill>
+                  <a:schemeClr val="tx1">
+                    <a:lumMod val="50000"/>
+                    <a:lumOff val="50000"/>
+                  </a:schemeClr>
+                </a:solidFill>
+                <a:latin typeface="Arial" charset="0"/>
+                <a:ea typeface="Arial" charset="0"/>
+                <a:cs typeface="Arial" charset="0"/>
+              </a:rPr>
+              <a:t>Red</a:t>
+            </a:r>
+            <a:r>
+              <a:rPr lang="pt-BR" sz="1800" dirty="0">
+                <a:solidFill>
+                  <a:schemeClr val="tx1">
+                    <a:lumMod val="50000"/>
+                    <a:lumOff val="50000"/>
+                  </a:schemeClr>
+                </a:solidFill>
+                <a:latin typeface="Arial" charset="0"/>
+                <a:ea typeface="Arial" charset="0"/>
+                <a:cs typeface="Arial" charset="0"/>
+              </a:rPr>
+              <a:t> </a:t>
+            </a:r>
+            <a:r>
+              <a:rPr lang="pt-BR" sz="1800" dirty="0" err="1">
+                <a:solidFill>
+                  <a:schemeClr val="tx1">
+                    <a:lumMod val="50000"/>
+                    <a:lumOff val="50000"/>
+                  </a:schemeClr>
+                </a:solidFill>
+                <a:latin typeface="Arial" charset="0"/>
+                <a:ea typeface="Arial" charset="0"/>
+                <a:cs typeface="Arial" charset="0"/>
+              </a:rPr>
+              <a:t>Hat</a:t>
+            </a:r>
+            <a:r>
+              <a:rPr lang="pt-BR" sz="1800" dirty="0">
+                <a:solidFill>
+                  <a:schemeClr val="tx1">
+                    <a:lumMod val="50000"/>
+                    <a:lumOff val="50000"/>
+                  </a:schemeClr>
+                </a:solidFill>
+                <a:latin typeface="Arial" charset="0"/>
+                <a:ea typeface="Arial" charset="0"/>
+                <a:cs typeface="Arial" charset="0"/>
+              </a:rPr>
+              <a:t> investe e que vale a atenção é o </a:t>
+            </a:r>
+            <a:r>
+              <a:rPr lang="pt-BR" sz="1800" dirty="0" err="1">
+                <a:solidFill>
+                  <a:schemeClr val="tx1">
+                    <a:lumMod val="50000"/>
+                    <a:lumOff val="50000"/>
+                  </a:schemeClr>
+                </a:solidFill>
+                <a:latin typeface="Arial" charset="0"/>
+                <a:ea typeface="Arial" charset="0"/>
+                <a:cs typeface="Arial" charset="0"/>
+              </a:rPr>
+              <a:t>podman</a:t>
+            </a:r>
+            <a:r>
+              <a:rPr lang="pt-BR" sz="1800" dirty="0">
+                <a:solidFill>
+                  <a:schemeClr val="tx1">
+                    <a:lumMod val="50000"/>
+                    <a:lumOff val="50000"/>
+                  </a:schemeClr>
+                </a:solidFill>
+                <a:latin typeface="Arial" charset="0"/>
+                <a:ea typeface="Arial" charset="0"/>
+                <a:cs typeface="Arial" charset="0"/>
+              </a:rPr>
+              <a:t> ("</a:t>
+            </a:r>
+            <a:r>
+              <a:rPr lang="pt-BR" sz="1800" dirty="0" err="1">
+                <a:solidFill>
+                  <a:schemeClr val="tx1">
+                    <a:lumMod val="50000"/>
+                    <a:lumOff val="50000"/>
+                  </a:schemeClr>
+                </a:solidFill>
+                <a:latin typeface="Arial" charset="0"/>
+                <a:ea typeface="Arial" charset="0"/>
+                <a:cs typeface="Arial" charset="0"/>
+              </a:rPr>
+              <a:t>Pod</a:t>
+            </a:r>
+            <a:r>
+              <a:rPr lang="pt-BR" sz="1800" dirty="0">
+                <a:solidFill>
+                  <a:schemeClr val="tx1">
+                    <a:lumMod val="50000"/>
+                    <a:lumOff val="50000"/>
+                  </a:schemeClr>
+                </a:solidFill>
+                <a:latin typeface="Arial" charset="0"/>
+                <a:ea typeface="Arial" charset="0"/>
+                <a:cs typeface="Arial" charset="0"/>
+              </a:rPr>
+              <a:t> Manager", https://podman.io/), cuja a proposta e a  execução do "</a:t>
+            </a:r>
+            <a:r>
+              <a:rPr lang="pt-BR" sz="1800" dirty="0" err="1">
+                <a:solidFill>
+                  <a:schemeClr val="tx1">
+                    <a:lumMod val="50000"/>
+                    <a:lumOff val="50000"/>
+                  </a:schemeClr>
+                </a:solidFill>
+                <a:latin typeface="Arial" charset="0"/>
+                <a:ea typeface="Arial" charset="0"/>
+                <a:cs typeface="Arial" charset="0"/>
+              </a:rPr>
+              <a:t>pod</a:t>
+            </a:r>
+            <a:r>
+              <a:rPr lang="pt-BR" sz="1800" dirty="0">
+                <a:solidFill>
+                  <a:schemeClr val="tx1">
+                    <a:lumMod val="50000"/>
+                    <a:lumOff val="50000"/>
+                  </a:schemeClr>
+                </a:solidFill>
+                <a:latin typeface="Arial" charset="0"/>
+                <a:ea typeface="Arial" charset="0"/>
+                <a:cs typeface="Arial" charset="0"/>
+              </a:rPr>
+              <a:t>“, fora do </a:t>
+            </a:r>
+            <a:r>
+              <a:rPr lang="pt-BR" sz="1800" dirty="0" err="1">
+                <a:solidFill>
+                  <a:schemeClr val="tx1">
+                    <a:lumMod val="50000"/>
+                    <a:lumOff val="50000"/>
+                  </a:schemeClr>
+                </a:solidFill>
+                <a:latin typeface="Arial" charset="0"/>
+                <a:ea typeface="Arial" charset="0"/>
+                <a:cs typeface="Arial" charset="0"/>
+              </a:rPr>
+              <a:t>kubernetes</a:t>
+            </a:r>
+            <a:r>
+              <a:rPr lang="pt-BR" sz="1800" dirty="0">
+                <a:solidFill>
+                  <a:schemeClr val="tx1">
+                    <a:lumMod val="50000"/>
+                    <a:lumOff val="50000"/>
+                  </a:schemeClr>
+                </a:solidFill>
+                <a:latin typeface="Arial" charset="0"/>
+                <a:ea typeface="Arial" charset="0"/>
+                <a:cs typeface="Arial" charset="0"/>
+              </a:rPr>
+              <a:t>.</a:t>
+            </a:r>
+          </a:p>
+        </p:txBody>
+      </p:sp>
+      <p:sp>
+        <p:nvSpPr>
+          <p:cNvPr id="8" name="TextBox 23">
+            <a:extLst>
+              <a:ext uri="{FF2B5EF4-FFF2-40B4-BE49-F238E27FC236}">
+                <a16:creationId xmlns:a16="http://schemas.microsoft.com/office/drawing/2014/main" id="{6F51CB5C-E252-4AA2-A6BD-723CBF033718}"/>
+              </a:ext>
+            </a:extLst>
+          </p:cNvPr>
+          <p:cNvSpPr txBox="1"/>
+          <p:nvPr/>
+        </p:nvSpPr>
+        <p:spPr>
+          <a:xfrm>
+            <a:off x="121757" y="352261"/>
+            <a:ext cx="9201141" cy="369332"/>
+          </a:xfrm>
+          <a:prstGeom prst="rect">
+            <a:avLst/>
+          </a:prstGeom>
+          <a:noFill/>
+        </p:spPr>
+        <p:txBody>
+          <a:bodyPr wrap="square" rtlCol="0">
+            <a:spAutoFit/>
+          </a:bodyPr>
+          <a:lstStyle/>
+          <a:p>
+            <a:pPr defTabSz="457200"/>
+            <a:r>
+              <a:rPr lang="en-US" b="1" dirty="0">
+                <a:solidFill>
+                  <a:srgbClr val="7F2FF7"/>
+                </a:solidFill>
+                <a:latin typeface="Arial"/>
+              </a:rPr>
+              <a:t>Setup do workstation e do </a:t>
+            </a:r>
+            <a:r>
+              <a:rPr lang="en-US" b="1" dirty="0" err="1">
+                <a:solidFill>
+                  <a:srgbClr val="7F2FF7"/>
+                </a:solidFill>
+                <a:latin typeface="Arial"/>
+              </a:rPr>
+              <a:t>Servidor</a:t>
+            </a:r>
+            <a:r>
+              <a:rPr lang="en-US" b="1" dirty="0">
+                <a:solidFill>
+                  <a:srgbClr val="7F2FF7"/>
+                </a:solidFill>
+                <a:latin typeface="Arial"/>
+              </a:rPr>
+              <a:t> </a:t>
+            </a:r>
+          </a:p>
+        </p:txBody>
+      </p:sp>
+    </p:spTree>
+    <p:extLst>
+      <p:ext uri="{BB962C8B-B14F-4D97-AF65-F5344CB8AC3E}">
+        <p14:creationId xmlns:p14="http://schemas.microsoft.com/office/powerpoint/2010/main" val="1206746976"/>
+      </p:ext>
+    </p:extLst>
+  </p:cSld>
+  <p:clrMapOvr>
+    <a:masterClrMapping/>
+  </p:clrMapOvr>
+</p:sld>
+</file>
+
+<file path=ppt/slides/slide27.xml><?xml version="1.0" encoding="utf-8"?>
+<p:sld xmlns:a="http://schemas.openxmlformats.org/drawingml/2006/main" xmlns:r="http://schemas.openxmlformats.org/officeDocument/2006/relationships" xmlns:p="http://schemas.openxmlformats.org/presentationml/2006/main">
+  <p:cSld>
+    <p:spTree>
+      <p:nvGrpSpPr>
+        <p:cNvPr id="1" name=""/>
+        <p:cNvGrpSpPr/>
+        <p:nvPr/>
+      </p:nvGrpSpPr>
+      <p:grpSpPr>
+        <a:xfrm>
+          <a:off x="0" y="0"/>
+          <a:ext cx="0" cy="0"/>
+          <a:chOff x="0" y="0"/>
+          <a:chExt cx="0" cy="0"/>
+        </a:xfrm>
+      </p:grpSpPr>
+      <p:sp>
+        <p:nvSpPr>
+          <p:cNvPr id="28" name="Rectangle 27"/>
+          <p:cNvSpPr/>
+          <p:nvPr/>
+        </p:nvSpPr>
+        <p:spPr>
+          <a:xfrm>
+            <a:off x="1" y="-1474"/>
+            <a:ext cx="12191999" cy="45719"/>
+          </a:xfrm>
+          <a:prstGeom prst="rect">
+            <a:avLst/>
+          </a:prstGeom>
+          <a:gradFill>
+            <a:gsLst>
+              <a:gs pos="47000">
+                <a:srgbClr val="7F2FF7"/>
+              </a:gs>
+              <a:gs pos="80000">
+                <a:srgbClr val="00FFC5"/>
+              </a:gs>
+            </a:gsLst>
+            <a:lin ang="0" scaled="0"/>
+          </a:gradFill>
+          <a:ln>
+            <a:noFill/>
+          </a:ln>
+        </p:spPr>
+        <p:style>
+          <a:lnRef idx="2">
+            <a:schemeClr val="accent1">
+              <a:shade val="50000"/>
+            </a:schemeClr>
+          </a:lnRef>
+          <a:fillRef idx="1">
+            <a:schemeClr val="accent1"/>
+          </a:fillRef>
+          <a:effectRef idx="0">
+            <a:schemeClr val="accent1"/>
+          </a:effectRef>
+          <a:fontRef idx="minor">
+            <a:schemeClr val="lt1"/>
+          </a:fontRef>
+        </p:style>
+        <p:txBody>
+          <a:bodyPr rtlCol="0" anchor="ctr"/>
+          <a:lstStyle/>
+          <a:p>
+            <a:pPr algn="ctr"/>
+            <a:endParaRPr lang="en-US"/>
+          </a:p>
+        </p:txBody>
+      </p:sp>
+      <p:pic>
+        <p:nvPicPr>
+          <p:cNvPr id="13" name="Picture 5">
+            <a:extLst>
+              <a:ext uri="{FF2B5EF4-FFF2-40B4-BE49-F238E27FC236}">
+                <a16:creationId xmlns:a16="http://schemas.microsoft.com/office/drawing/2014/main" id="{A18C0657-6A3C-4F40-B03D-F2022E473129}"/>
+              </a:ext>
+            </a:extLst>
+          </p:cNvPr>
+          <p:cNvPicPr>
+            <a:picLocks noChangeAspect="1"/>
+          </p:cNvPicPr>
+          <p:nvPr/>
+        </p:nvPicPr>
+        <p:blipFill>
+          <a:blip r:embed="rId3">
+            <a:extLst>
+              <a:ext uri="{28A0092B-C50C-407E-A947-70E740481C1C}">
+                <a14:useLocalDpi xmlns:a14="http://schemas.microsoft.com/office/drawing/2010/main" val="0"/>
+              </a:ext>
+            </a:extLst>
+          </a:blip>
+          <a:stretch>
+            <a:fillRect/>
+          </a:stretch>
+        </p:blipFill>
+        <p:spPr>
+          <a:xfrm>
+            <a:off x="10956102" y="254087"/>
+            <a:ext cx="974722" cy="664644"/>
+          </a:xfrm>
+          <a:prstGeom prst="rect">
+            <a:avLst/>
+          </a:prstGeom>
+        </p:spPr>
+      </p:pic>
       <p:pic>
         <p:nvPicPr>
           <p:cNvPr id="3" name="Imagem 2">
@@ -18302,7 +19326,7 @@
 </p:sld>
 </file>
 
-<file path=ppt/slides/slide27.xml><?xml version="1.0" encoding="utf-8"?>
+<file path=ppt/slides/slide28.xml><?xml version="1.0" encoding="utf-8"?>
 <p:sld xmlns:a="http://schemas.openxmlformats.org/drawingml/2006/main" xmlns:r="http://schemas.openxmlformats.org/officeDocument/2006/relationships" xmlns:p="http://schemas.openxmlformats.org/presentationml/2006/main">
   <p:cSld>
     <p:spTree>
@@ -18452,7 +19476,7 @@
 </p:sld>
 </file>
 
-<file path=ppt/slides/slide28.xml><?xml version="1.0" encoding="utf-8"?>
+<file path=ppt/slides/slide29.xml><?xml version="1.0" encoding="utf-8"?>
 <p:sld xmlns:a="http://schemas.openxmlformats.org/drawingml/2006/main" xmlns:r="http://schemas.openxmlformats.org/officeDocument/2006/relationships" xmlns:p="http://schemas.openxmlformats.org/presentationml/2006/main">
   <p:cSld>
     <p:spTree>
@@ -18593,156 +19617,6 @@
     <p:extLst>
       <p:ext uri="{BB962C8B-B14F-4D97-AF65-F5344CB8AC3E}">
         <p14:creationId xmlns:p14="http://schemas.microsoft.com/office/powerpoint/2010/main" val="2120694544"/>
-      </p:ext>
-    </p:extLst>
-  </p:cSld>
-  <p:clrMapOvr>
-    <a:masterClrMapping/>
-  </p:clrMapOvr>
-</p:sld>
-</file>
-
-<file path=ppt/slides/slide29.xml><?xml version="1.0" encoding="utf-8"?>
-<p:sld xmlns:a="http://schemas.openxmlformats.org/drawingml/2006/main" xmlns:r="http://schemas.openxmlformats.org/officeDocument/2006/relationships" xmlns:p="http://schemas.openxmlformats.org/presentationml/2006/main">
-  <p:cSld>
-    <p:spTree>
-      <p:nvGrpSpPr>
-        <p:cNvPr id="1" name=""/>
-        <p:cNvGrpSpPr/>
-        <p:nvPr/>
-      </p:nvGrpSpPr>
-      <p:grpSpPr>
-        <a:xfrm>
-          <a:off x="0" y="0"/>
-          <a:ext cx="0" cy="0"/>
-          <a:chOff x="0" y="0"/>
-          <a:chExt cx="0" cy="0"/>
-        </a:xfrm>
-      </p:grpSpPr>
-      <p:sp>
-        <p:nvSpPr>
-          <p:cNvPr id="28" name="Rectangle 27"/>
-          <p:cNvSpPr/>
-          <p:nvPr/>
-        </p:nvSpPr>
-        <p:spPr>
-          <a:xfrm>
-            <a:off x="1" y="-1474"/>
-            <a:ext cx="12191999" cy="45719"/>
-          </a:xfrm>
-          <a:prstGeom prst="rect">
-            <a:avLst/>
-          </a:prstGeom>
-          <a:gradFill>
-            <a:gsLst>
-              <a:gs pos="47000">
-                <a:srgbClr val="7F2FF7"/>
-              </a:gs>
-              <a:gs pos="80000">
-                <a:srgbClr val="00FFC5"/>
-              </a:gs>
-            </a:gsLst>
-            <a:lin ang="0" scaled="0"/>
-          </a:gradFill>
-          <a:ln>
-            <a:noFill/>
-          </a:ln>
-        </p:spPr>
-        <p:style>
-          <a:lnRef idx="2">
-            <a:schemeClr val="accent1">
-              <a:shade val="50000"/>
-            </a:schemeClr>
-          </a:lnRef>
-          <a:fillRef idx="1">
-            <a:schemeClr val="accent1"/>
-          </a:fillRef>
-          <a:effectRef idx="0">
-            <a:schemeClr val="accent1"/>
-          </a:effectRef>
-          <a:fontRef idx="minor">
-            <a:schemeClr val="lt1"/>
-          </a:fontRef>
-        </p:style>
-        <p:txBody>
-          <a:bodyPr rtlCol="0" anchor="ctr"/>
-          <a:lstStyle/>
-          <a:p>
-            <a:pPr algn="ctr"/>
-            <a:endParaRPr lang="en-US"/>
-          </a:p>
-        </p:txBody>
-      </p:sp>
-      <p:pic>
-        <p:nvPicPr>
-          <p:cNvPr id="13" name="Picture 5">
-            <a:extLst>
-              <a:ext uri="{FF2B5EF4-FFF2-40B4-BE49-F238E27FC236}">
-                <a16:creationId xmlns:a16="http://schemas.microsoft.com/office/drawing/2014/main" id="{A18C0657-6A3C-4F40-B03D-F2022E473129}"/>
-              </a:ext>
-            </a:extLst>
-          </p:cNvPr>
-          <p:cNvPicPr>
-            <a:picLocks noChangeAspect="1"/>
-          </p:cNvPicPr>
-          <p:nvPr/>
-        </p:nvPicPr>
-        <p:blipFill>
-          <a:blip r:embed="rId3">
-            <a:extLst>
-              <a:ext uri="{28A0092B-C50C-407E-A947-70E740481C1C}">
-                <a14:useLocalDpi xmlns:a14="http://schemas.microsoft.com/office/drawing/2010/main" val="0"/>
-              </a:ext>
-            </a:extLst>
-          </a:blip>
-          <a:stretch>
-            <a:fillRect/>
-          </a:stretch>
-        </p:blipFill>
-        <p:spPr>
-          <a:xfrm>
-            <a:off x="10956102" y="254087"/>
-            <a:ext cx="974722" cy="664644"/>
-          </a:xfrm>
-          <a:prstGeom prst="rect">
-            <a:avLst/>
-          </a:prstGeom>
-        </p:spPr>
-      </p:pic>
-      <p:pic>
-        <p:nvPicPr>
-          <p:cNvPr id="2" name="Imagem 1">
-            <a:extLst>
-              <a:ext uri="{FF2B5EF4-FFF2-40B4-BE49-F238E27FC236}">
-                <a16:creationId xmlns:a16="http://schemas.microsoft.com/office/drawing/2014/main" id="{F6A0710E-36FC-4E15-8EC0-3A295FD12E8F}"/>
-              </a:ext>
-            </a:extLst>
-          </p:cNvPr>
-          <p:cNvPicPr>
-            <a:picLocks noChangeAspect="1"/>
-          </p:cNvPicPr>
-          <p:nvPr/>
-        </p:nvPicPr>
-        <p:blipFill>
-          <a:blip r:embed="rId4"/>
-          <a:stretch>
-            <a:fillRect/>
-          </a:stretch>
-        </p:blipFill>
-        <p:spPr>
-          <a:xfrm>
-            <a:off x="2692225" y="1889046"/>
-            <a:ext cx="6807550" cy="3079908"/>
-          </a:xfrm>
-          <a:prstGeom prst="rect">
-            <a:avLst/>
-          </a:prstGeom>
-        </p:spPr>
-      </p:pic>
-    </p:spTree>
-    <p:extLst>
-      <p:ext uri="{BB962C8B-B14F-4D97-AF65-F5344CB8AC3E}">
-        <p14:creationId xmlns:p14="http://schemas.microsoft.com/office/powerpoint/2010/main" val="3858388125"/>
       </p:ext>
     </p:extLst>
   </p:cSld>
@@ -19034,6 +19908,156 @@
       </p:pic>
       <p:pic>
         <p:nvPicPr>
+          <p:cNvPr id="2" name="Imagem 1">
+            <a:extLst>
+              <a:ext uri="{FF2B5EF4-FFF2-40B4-BE49-F238E27FC236}">
+                <a16:creationId xmlns:a16="http://schemas.microsoft.com/office/drawing/2014/main" id="{F6A0710E-36FC-4E15-8EC0-3A295FD12E8F}"/>
+              </a:ext>
+            </a:extLst>
+          </p:cNvPr>
+          <p:cNvPicPr>
+            <a:picLocks noChangeAspect="1"/>
+          </p:cNvPicPr>
+          <p:nvPr/>
+        </p:nvPicPr>
+        <p:blipFill>
+          <a:blip r:embed="rId4"/>
+          <a:stretch>
+            <a:fillRect/>
+          </a:stretch>
+        </p:blipFill>
+        <p:spPr>
+          <a:xfrm>
+            <a:off x="2692225" y="1889046"/>
+            <a:ext cx="6807550" cy="3079908"/>
+          </a:xfrm>
+          <a:prstGeom prst="rect">
+            <a:avLst/>
+          </a:prstGeom>
+        </p:spPr>
+      </p:pic>
+    </p:spTree>
+    <p:extLst>
+      <p:ext uri="{BB962C8B-B14F-4D97-AF65-F5344CB8AC3E}">
+        <p14:creationId xmlns:p14="http://schemas.microsoft.com/office/powerpoint/2010/main" val="3858388125"/>
+      </p:ext>
+    </p:extLst>
+  </p:cSld>
+  <p:clrMapOvr>
+    <a:masterClrMapping/>
+  </p:clrMapOvr>
+</p:sld>
+</file>
+
+<file path=ppt/slides/slide31.xml><?xml version="1.0" encoding="utf-8"?>
+<p:sld xmlns:a="http://schemas.openxmlformats.org/drawingml/2006/main" xmlns:r="http://schemas.openxmlformats.org/officeDocument/2006/relationships" xmlns:p="http://schemas.openxmlformats.org/presentationml/2006/main">
+  <p:cSld>
+    <p:spTree>
+      <p:nvGrpSpPr>
+        <p:cNvPr id="1" name=""/>
+        <p:cNvGrpSpPr/>
+        <p:nvPr/>
+      </p:nvGrpSpPr>
+      <p:grpSpPr>
+        <a:xfrm>
+          <a:off x="0" y="0"/>
+          <a:ext cx="0" cy="0"/>
+          <a:chOff x="0" y="0"/>
+          <a:chExt cx="0" cy="0"/>
+        </a:xfrm>
+      </p:grpSpPr>
+      <p:sp>
+        <p:nvSpPr>
+          <p:cNvPr id="28" name="Rectangle 27"/>
+          <p:cNvSpPr/>
+          <p:nvPr/>
+        </p:nvSpPr>
+        <p:spPr>
+          <a:xfrm>
+            <a:off x="1" y="-1474"/>
+            <a:ext cx="12191999" cy="45719"/>
+          </a:xfrm>
+          <a:prstGeom prst="rect">
+            <a:avLst/>
+          </a:prstGeom>
+          <a:gradFill>
+            <a:gsLst>
+              <a:gs pos="47000">
+                <a:srgbClr val="7F2FF7"/>
+              </a:gs>
+              <a:gs pos="80000">
+                <a:srgbClr val="00FFC5"/>
+              </a:gs>
+            </a:gsLst>
+            <a:lin ang="0" scaled="0"/>
+          </a:gradFill>
+          <a:ln>
+            <a:noFill/>
+          </a:ln>
+        </p:spPr>
+        <p:style>
+          <a:lnRef idx="2">
+            <a:schemeClr val="accent1">
+              <a:shade val="50000"/>
+            </a:schemeClr>
+          </a:lnRef>
+          <a:fillRef idx="1">
+            <a:schemeClr val="accent1"/>
+          </a:fillRef>
+          <a:effectRef idx="0">
+            <a:schemeClr val="accent1"/>
+          </a:effectRef>
+          <a:fontRef idx="minor">
+            <a:schemeClr val="lt1"/>
+          </a:fontRef>
+        </p:style>
+        <p:txBody>
+          <a:bodyPr rtlCol="0" anchor="ctr"/>
+          <a:lstStyle/>
+          <a:p>
+            <a:pPr algn="ctr"/>
+            <a:endParaRPr lang="en-US"/>
+          </a:p>
+        </p:txBody>
+      </p:sp>
+      <p:pic>
+        <p:nvPicPr>
+          <p:cNvPr id="13" name="Picture 5">
+            <a:extLst>
+              <a:ext uri="{FF2B5EF4-FFF2-40B4-BE49-F238E27FC236}">
+                <a16:creationId xmlns:a16="http://schemas.microsoft.com/office/drawing/2014/main" id="{A18C0657-6A3C-4F40-B03D-F2022E473129}"/>
+              </a:ext>
+            </a:extLst>
+          </p:cNvPr>
+          <p:cNvPicPr>
+            <a:picLocks noChangeAspect="1"/>
+          </p:cNvPicPr>
+          <p:nvPr/>
+        </p:nvPicPr>
+        <p:blipFill>
+          <a:blip r:embed="rId3">
+            <a:extLst>
+              <a:ext uri="{28A0092B-C50C-407E-A947-70E740481C1C}">
+                <a14:useLocalDpi xmlns:a14="http://schemas.microsoft.com/office/drawing/2010/main" val="0"/>
+              </a:ext>
+            </a:extLst>
+          </a:blip>
+          <a:stretch>
+            <a:fillRect/>
+          </a:stretch>
+        </p:blipFill>
+        <p:spPr>
+          <a:xfrm>
+            <a:off x="10956102" y="254087"/>
+            <a:ext cx="974722" cy="664644"/>
+          </a:xfrm>
+          <a:prstGeom prst="rect">
+            <a:avLst/>
+          </a:prstGeom>
+        </p:spPr>
+      </p:pic>
+      <p:pic>
+        <p:nvPicPr>
           <p:cNvPr id="4" name="Imagem 3">
             <a:extLst>
               <a:ext uri="{FF2B5EF4-FFF2-40B4-BE49-F238E27FC236}">
@@ -19075,7 +20099,7 @@
 </p:sld>
 </file>
 
-<file path=ppt/slides/slide31.xml><?xml version="1.0" encoding="utf-8"?>
+<file path=ppt/slides/slide32.xml><?xml version="1.0" encoding="utf-8"?>
 <p:sld xmlns:a="http://schemas.openxmlformats.org/drawingml/2006/main" xmlns:r="http://schemas.openxmlformats.org/officeDocument/2006/relationships" xmlns:p="http://schemas.openxmlformats.org/presentationml/2006/main">
   <p:cSld>
     <p:spTree>

--- a/padroes_especificacoes_runtimes.pptx
+++ b/padroes_especificacoes_runtimes.pptx
@@ -228,7 +228,7 @@
           <a:p>
             <a:fld id="{A1D33100-37A2-43C1-B204-91E9F03CD23E}" type="datetimeFigureOut">
               <a:rPr lang="pt-BR" smtClean="0"/>
-              <a:t>22/01/2019</a:t>
+              <a:t>23/01/2019</a:t>
             </a:fld>
             <a:endParaRPr lang="pt-BR"/>
           </a:p>
@@ -1465,7 +1465,7 @@
           <a:lstStyle/>
           <a:p>
             <a:fld id="{C0D14F22-C81E-974D-A21A-EE8683DA7787}" type="datetimeFigureOut">
-              <a:t>22/01/2019</a:t>
+              <a:t>23/01/2019</a:t>
             </a:fld>
             <a:endParaRPr lang="en-US"/>
           </a:p>
@@ -1633,7 +1633,7 @@
           <a:lstStyle/>
           <a:p>
             <a:fld id="{C0D14F22-C81E-974D-A21A-EE8683DA7787}" type="datetimeFigureOut">
-              <a:t>22/01/2019</a:t>
+              <a:t>23/01/2019</a:t>
             </a:fld>
             <a:endParaRPr lang="en-US"/>
           </a:p>
@@ -1811,7 +1811,7 @@
           <a:lstStyle/>
           <a:p>
             <a:fld id="{C0D14F22-C81E-974D-A21A-EE8683DA7787}" type="datetimeFigureOut">
-              <a:t>22/01/2019</a:t>
+              <a:t>23/01/2019</a:t>
             </a:fld>
             <a:endParaRPr lang="en-US"/>
           </a:p>
@@ -1979,7 +1979,7 @@
           <a:lstStyle/>
           <a:p>
             <a:fld id="{C0D14F22-C81E-974D-A21A-EE8683DA7787}" type="datetimeFigureOut">
-              <a:t>22/01/2019</a:t>
+              <a:t>23/01/2019</a:t>
             </a:fld>
             <a:endParaRPr lang="en-US"/>
           </a:p>
@@ -2223,7 +2223,7 @@
           <a:lstStyle/>
           <a:p>
             <a:fld id="{C0D14F22-C81E-974D-A21A-EE8683DA7787}" type="datetimeFigureOut">
-              <a:t>22/01/2019</a:t>
+              <a:t>23/01/2019</a:t>
             </a:fld>
             <a:endParaRPr lang="en-US"/>
           </a:p>
@@ -2453,7 +2453,7 @@
           <a:lstStyle/>
           <a:p>
             <a:fld id="{C0D14F22-C81E-974D-A21A-EE8683DA7787}" type="datetimeFigureOut">
-              <a:t>22/01/2019</a:t>
+              <a:t>23/01/2019</a:t>
             </a:fld>
             <a:endParaRPr lang="en-US"/>
           </a:p>
@@ -2818,7 +2818,7 @@
           <a:lstStyle/>
           <a:p>
             <a:fld id="{C0D14F22-C81E-974D-A21A-EE8683DA7787}" type="datetimeFigureOut">
-              <a:t>22/01/2019</a:t>
+              <a:t>23/01/2019</a:t>
             </a:fld>
             <a:endParaRPr lang="en-US"/>
           </a:p>
@@ -2934,7 +2934,7 @@
           <a:lstStyle/>
           <a:p>
             <a:fld id="{C0D14F22-C81E-974D-A21A-EE8683DA7787}" type="datetimeFigureOut">
-              <a:t>22/01/2019</a:t>
+              <a:t>23/01/2019</a:t>
             </a:fld>
             <a:endParaRPr lang="en-US"/>
           </a:p>
@@ -3027,7 +3027,7 @@
           <a:lstStyle/>
           <a:p>
             <a:fld id="{C0D14F22-C81E-974D-A21A-EE8683DA7787}" type="datetimeFigureOut">
-              <a:t>22/01/2019</a:t>
+              <a:t>23/01/2019</a:t>
             </a:fld>
             <a:endParaRPr lang="en-US"/>
           </a:p>
@@ -3302,7 +3302,7 @@
           <a:lstStyle/>
           <a:p>
             <a:fld id="{C0D14F22-C81E-974D-A21A-EE8683DA7787}" type="datetimeFigureOut">
-              <a:t>22/01/2019</a:t>
+              <a:t>23/01/2019</a:t>
             </a:fld>
             <a:endParaRPr lang="en-US"/>
           </a:p>
@@ -3553,7 +3553,7 @@
           <a:lstStyle/>
           <a:p>
             <a:fld id="{C0D14F22-C81E-974D-A21A-EE8683DA7787}" type="datetimeFigureOut">
-              <a:t>22/01/2019</a:t>
+              <a:t>23/01/2019</a:t>
             </a:fld>
             <a:endParaRPr lang="en-US"/>
           </a:p>
@@ -3764,7 +3764,7 @@
           </a:lstStyle>
           <a:p>
             <a:fld id="{C0D14F22-C81E-974D-A21A-EE8683DA7787}" type="datetimeFigureOut">
-              <a:t>22/01/2019</a:t>
+              <a:t>23/01/2019</a:t>
             </a:fld>
             <a:endParaRPr lang="en-US"/>
           </a:p>
@@ -22572,19 +22572,118 @@
                 </a:solidFill>
                 <a:latin typeface="Arial"/>
               </a:rPr>
-              <a:t>The Cloud Native Computing Foundation (CNCF) was founded to promote containers. Kubernetes became a open source container cluster manager,</a:t>
+              <a:t>A Cloud Native Computing Foundation (CNCF) </a:t>
+            </a:r>
+            <a:r>
+              <a:rPr lang="en-US" b="1" dirty="0" err="1">
+                <a:solidFill>
+                  <a:srgbClr val="7F2FF7"/>
+                </a:solidFill>
+                <a:latin typeface="Arial"/>
+              </a:rPr>
+              <a:t>foi</a:t>
+            </a:r>
+            <a:r>
+              <a:rPr lang="en-US" b="1" dirty="0">
+                <a:solidFill>
+                  <a:srgbClr val="7F2FF7"/>
+                </a:solidFill>
+                <a:latin typeface="Arial"/>
+              </a:rPr>
+              <a:t> </a:t>
+            </a:r>
+            <a:r>
+              <a:rPr lang="en-US" b="1" dirty="0" err="1">
+                <a:solidFill>
+                  <a:srgbClr val="7F2FF7"/>
+                </a:solidFill>
+                <a:latin typeface="Arial"/>
+              </a:rPr>
+              <a:t>criada</a:t>
+            </a:r>
+            <a:r>
+              <a:rPr lang="en-US" b="1" dirty="0">
+                <a:solidFill>
+                  <a:srgbClr val="7F2FF7"/>
+                </a:solidFill>
+                <a:latin typeface="Arial"/>
+              </a:rPr>
+              <a:t> para </a:t>
+            </a:r>
+            <a:r>
+              <a:rPr lang="en-US" b="1" dirty="0" err="1">
+                <a:solidFill>
+                  <a:srgbClr val="7F2FF7"/>
+                </a:solidFill>
+                <a:latin typeface="Arial"/>
+              </a:rPr>
+              <a:t>promover</a:t>
+            </a:r>
+            <a:r>
+              <a:rPr lang="en-US" b="1" dirty="0">
+                <a:solidFill>
+                  <a:srgbClr val="7F2FF7"/>
+                </a:solidFill>
+                <a:latin typeface="Arial"/>
+              </a:rPr>
+              <a:t> containers. Kubernetes se </a:t>
+            </a:r>
+            <a:r>
+              <a:rPr lang="en-US" b="1" dirty="0" err="1">
+                <a:solidFill>
+                  <a:srgbClr val="7F2FF7"/>
+                </a:solidFill>
+                <a:latin typeface="Arial"/>
+              </a:rPr>
+              <a:t>tornou</a:t>
+            </a:r>
+            <a:r>
+              <a:rPr lang="en-US" b="1" dirty="0">
+                <a:solidFill>
+                  <a:srgbClr val="7F2FF7"/>
+                </a:solidFill>
+                <a:latin typeface="Arial"/>
+              </a:rPr>
+              <a:t> um </a:t>
+            </a:r>
+            <a:r>
+              <a:rPr lang="en-US" b="1" dirty="0" err="1">
+                <a:solidFill>
+                  <a:srgbClr val="7F2FF7"/>
+                </a:solidFill>
+                <a:latin typeface="Arial"/>
+              </a:rPr>
+              <a:t>gerenciador</a:t>
+            </a:r>
+            <a:r>
+              <a:rPr lang="en-US" b="1" dirty="0">
+                <a:solidFill>
+                  <a:srgbClr val="7F2FF7"/>
+                </a:solidFill>
+                <a:latin typeface="Arial"/>
+              </a:rPr>
+              <a:t> de containers open source,</a:t>
             </a:r>
           </a:p>
           <a:p>
             <a:pPr defTabSz="457200"/>
             <a:r>
+              <a:rPr lang="en-US" b="1" dirty="0" err="1">
+                <a:solidFill>
+                  <a:srgbClr val="7F2FF7"/>
+                </a:solidFill>
+                <a:latin typeface="Arial"/>
+              </a:rPr>
+              <a:t>doado</a:t>
+            </a:r>
+            <a:r>
               <a:rPr lang="en-US" b="1" dirty="0">
                 <a:solidFill>
                   <a:srgbClr val="7F2FF7"/>
                 </a:solidFill>
                 <a:latin typeface="Arial"/>
               </a:rPr>
-              <a:t>which was contributed to the foundation by Google as a seed technology. Founding members included Google, CoreOS, Mesosphere, Red Hat, Twitter, Huawei, Intel, Cisco, IBM, Docker, </a:t>
+              <a:t> pela Google e que </a:t>
             </a:r>
             <a:r>
               <a:rPr lang="en-US" b="1" dirty="0" err="1">
@@ -22593,6 +22692,150 @@
                 </a:solidFill>
                 <a:latin typeface="Arial"/>
               </a:rPr>
+              <a:t>serviu</a:t>
+            </a:r>
+            <a:r>
+              <a:rPr lang="en-US" b="1" dirty="0">
+                <a:solidFill>
+                  <a:srgbClr val="7F2FF7"/>
+                </a:solidFill>
+                <a:latin typeface="Arial"/>
+              </a:rPr>
+              <a:t> </a:t>
+            </a:r>
+            <a:r>
+              <a:rPr lang="en-US" b="1" dirty="0" err="1">
+                <a:solidFill>
+                  <a:srgbClr val="7F2FF7"/>
+                </a:solidFill>
+                <a:latin typeface="Arial"/>
+              </a:rPr>
+              <a:t>como</a:t>
+            </a:r>
+            <a:r>
+              <a:rPr lang="en-US" b="1" dirty="0">
+                <a:solidFill>
+                  <a:srgbClr val="7F2FF7"/>
+                </a:solidFill>
+                <a:latin typeface="Arial"/>
+              </a:rPr>
+              <a:t> base </a:t>
+            </a:r>
+            <a:r>
+              <a:rPr lang="en-US" b="1" dirty="0" err="1">
+                <a:solidFill>
+                  <a:srgbClr val="7F2FF7"/>
+                </a:solidFill>
+                <a:latin typeface="Arial"/>
+              </a:rPr>
+              <a:t>tecnologica</a:t>
+            </a:r>
+            <a:r>
+              <a:rPr lang="en-US" b="1" dirty="0">
+                <a:solidFill>
+                  <a:srgbClr val="7F2FF7"/>
+                </a:solidFill>
+                <a:latin typeface="Arial"/>
+              </a:rPr>
+              <a:t> para </a:t>
+            </a:r>
+            <a:r>
+              <a:rPr lang="en-US" b="1" dirty="0" err="1">
+                <a:solidFill>
+                  <a:srgbClr val="7F2FF7"/>
+                </a:solidFill>
+                <a:latin typeface="Arial"/>
+              </a:rPr>
+              <a:t>fundação</a:t>
+            </a:r>
+            <a:r>
+              <a:rPr lang="en-US" b="1" dirty="0">
+                <a:solidFill>
+                  <a:srgbClr val="7F2FF7"/>
+                </a:solidFill>
+                <a:latin typeface="Arial"/>
+              </a:rPr>
+              <a:t>. </a:t>
+            </a:r>
+            <a:r>
+              <a:rPr lang="en-US" b="1" dirty="0" err="1">
+                <a:solidFill>
+                  <a:srgbClr val="7F2FF7"/>
+                </a:solidFill>
+                <a:latin typeface="Arial"/>
+              </a:rPr>
+              <a:t>Os</a:t>
+            </a:r>
+            <a:r>
+              <a:rPr lang="en-US" b="1" dirty="0">
+                <a:solidFill>
+                  <a:srgbClr val="7F2FF7"/>
+                </a:solidFill>
+                <a:latin typeface="Arial"/>
+              </a:rPr>
+              <a:t> </a:t>
+            </a:r>
+            <a:r>
+              <a:rPr lang="en-US" b="1" dirty="0" err="1">
+                <a:solidFill>
+                  <a:srgbClr val="7F2FF7"/>
+                </a:solidFill>
+                <a:latin typeface="Arial"/>
+              </a:rPr>
+              <a:t>membros</a:t>
+            </a:r>
+            <a:r>
+              <a:rPr lang="en-US" b="1" dirty="0">
+                <a:solidFill>
+                  <a:srgbClr val="7F2FF7"/>
+                </a:solidFill>
+                <a:latin typeface="Arial"/>
+              </a:rPr>
+              <a:t> </a:t>
+            </a:r>
+            <a:r>
+              <a:rPr lang="en-US" b="1" dirty="0" err="1">
+                <a:solidFill>
+                  <a:srgbClr val="7F2FF7"/>
+                </a:solidFill>
+                <a:latin typeface="Arial"/>
+              </a:rPr>
+              <a:t>fundadores</a:t>
+            </a:r>
+            <a:r>
+              <a:rPr lang="en-US" b="1" dirty="0">
+                <a:solidFill>
+                  <a:srgbClr val="7F2FF7"/>
+                </a:solidFill>
+                <a:latin typeface="Arial"/>
+              </a:rPr>
+              <a:t> do CNCF </a:t>
+            </a:r>
+            <a:r>
+              <a:rPr lang="en-US" b="1" dirty="0" err="1">
+                <a:solidFill>
+                  <a:srgbClr val="7F2FF7"/>
+                </a:solidFill>
+                <a:latin typeface="Arial"/>
+              </a:rPr>
+              <a:t>são</a:t>
+            </a:r>
+            <a:r>
+              <a:rPr lang="en-US" b="1" dirty="0">
+                <a:solidFill>
+                  <a:srgbClr val="7F2FF7"/>
+                </a:solidFill>
+                <a:latin typeface="Arial"/>
+              </a:rPr>
+              <a:t>: Google, CoreOS, Mesosphere, Red Hat, Twitter, Huawei, Intel, Cisco, IBM, Docker, </a:t>
+            </a:r>
+            <a:r>
+              <a:rPr lang="en-US" b="1" dirty="0" err="1">
+                <a:solidFill>
+                  <a:srgbClr val="7F2FF7"/>
+                </a:solidFill>
+                <a:latin typeface="Arial"/>
+              </a:rPr>
               <a:t>Univa</a:t>
             </a:r>
             <a:r>
@@ -22602,7 +22845,7 @@
                 </a:solidFill>
                 <a:latin typeface="Arial"/>
               </a:rPr>
-              <a:t>, and VMware.</a:t>
+              <a:t>, e VMware.</a:t>
             </a:r>
           </a:p>
         </p:txBody>
@@ -22637,13 +22880,58 @@
           <a:p>
             <a:pPr defTabSz="457200"/>
             <a:r>
+              <a:rPr lang="pt-BR" b="1" dirty="0">
+                <a:solidFill>
+                  <a:srgbClr val="7F2FF7"/>
+                </a:solidFill>
+                <a:latin typeface="Arial"/>
+              </a:rPr>
+              <a:t>Docker inicia uma parceria com o CoreOS para a criação do OCI (Open Container </a:t>
+            </a:r>
+            <a:r>
+              <a:rPr lang="pt-BR" b="1" dirty="0" err="1">
+                <a:solidFill>
+                  <a:srgbClr val="7F2FF7"/>
+                </a:solidFill>
+                <a:latin typeface="Arial"/>
+              </a:rPr>
+              <a:t>Initiative</a:t>
+            </a:r>
+            <a:r>
+              <a:rPr lang="pt-BR" b="1" dirty="0">
+                <a:solidFill>
+                  <a:srgbClr val="7F2FF7"/>
+                </a:solidFill>
+                <a:latin typeface="Arial"/>
+              </a:rPr>
+              <a:t>) uma estrutura de governança aberta para o desenvolvimento de padrões de mercado para containers (formato e </a:t>
+            </a:r>
+            <a:r>
+              <a:rPr lang="pt-BR" b="1" dirty="0" err="1">
+                <a:solidFill>
+                  <a:srgbClr val="7F2FF7"/>
+                </a:solidFill>
+                <a:latin typeface="Arial"/>
+              </a:rPr>
+              <a:t>runtime</a:t>
+            </a:r>
+            <a:r>
+              <a:rPr lang="pt-BR" b="1" dirty="0">
+                <a:solidFill>
+                  <a:srgbClr val="7F2FF7"/>
+                </a:solidFill>
+                <a:latin typeface="Arial"/>
+              </a:rPr>
+              <a:t>)</a:t>
+            </a:r>
+            <a:r>
               <a:rPr lang="en-US" b="1" dirty="0">
                 <a:solidFill>
                   <a:srgbClr val="7F2FF7"/>
                 </a:solidFill>
                 <a:latin typeface="Arial"/>
               </a:rPr>
-              <a:t>Docker partnered with CoreOS for creating OCI (Open Container Initiative)  an open governance structure for creating open industry standards around container formats and runtime.</a:t>
+              <a:t>.</a:t>
             </a:r>
           </a:p>
         </p:txBody>
